--- a/docs/ppt/ISC2014.pptx
+++ b/docs/ppt/ISC2014.pptx
@@ -398,7 +398,7 @@
     </p:spTree>
     <p:extLst>
       <p:ext uri="{BB962C8B-B14F-4D97-AF65-F5344CB8AC3E}">
-        <p14:creationId xmlns="" xmlns:a="http://schemas.openxmlformats.org/drawingml/2006/main" xmlns:r="http://schemas.openxmlformats.org/officeDocument/2006/relationships" xmlns:p="http://schemas.openxmlformats.org/presentationml/2006/main" xmlns:p14="http://schemas.microsoft.com/office/powerpoint/2010/main" xmlns:mv="urn:schemas-microsoft-com:mac:vml" xmlns:mc="http://schemas.openxmlformats.org/markup-compatibility/2006" val="2698250618"/>
+        <p14:creationId xmlns:mc="http://schemas.openxmlformats.org/markup-compatibility/2006" xmlns:mv="urn:schemas-microsoft-com:mac:vml" xmlns:p14="http://schemas.microsoft.com/office/powerpoint/2010/main" xmlns:p="http://schemas.openxmlformats.org/presentationml/2006/main" xmlns:r="http://schemas.openxmlformats.org/officeDocument/2006/relationships" xmlns:a="http://schemas.openxmlformats.org/drawingml/2006/main" xmlns="" val="2698250618"/>
       </p:ext>
     </p:extLst>
   </p:cSld>
@@ -733,7 +733,7 @@
     </p:spTree>
     <p:extLst>
       <p:ext uri="{BB962C8B-B14F-4D97-AF65-F5344CB8AC3E}">
-        <p14:creationId xmlns="" xmlns:a="http://schemas.openxmlformats.org/drawingml/2006/main" xmlns:r="http://schemas.openxmlformats.org/officeDocument/2006/relationships" xmlns:p="http://schemas.openxmlformats.org/presentationml/2006/main" xmlns:p14="http://schemas.microsoft.com/office/powerpoint/2010/main" xmlns:mv="urn:schemas-microsoft-com:mac:vml" xmlns:mc="http://schemas.openxmlformats.org/markup-compatibility/2006" val="235717496"/>
+        <p14:creationId xmlns:mc="http://schemas.openxmlformats.org/markup-compatibility/2006" xmlns:mv="urn:schemas-microsoft-com:mac:vml" xmlns:p14="http://schemas.microsoft.com/office/powerpoint/2010/main" xmlns:p="http://schemas.openxmlformats.org/presentationml/2006/main" xmlns:r="http://schemas.openxmlformats.org/officeDocument/2006/relationships" xmlns:a="http://schemas.openxmlformats.org/drawingml/2006/main" xmlns="" val="235717496"/>
       </p:ext>
     </p:extLst>
   </p:cSld>
@@ -14143,7 +14143,23 @@
           <a:p>
             <a:r>
               <a:rPr lang="en-US" dirty="0" smtClean="0"/>
-              <a:t>Edison 85% parallel efficiency 512 sockets</a:t>
+              <a:t>Edison</a:t>
+            </a:r>
+            <a:r>
+              <a:rPr lang="en-US" dirty="0" smtClean="0"/>
+              <a:t> </a:t>
+            </a:r>
+            <a:r>
+              <a:rPr lang="en-US" dirty="0" smtClean="0"/>
+              <a:t>~90</a:t>
+            </a:r>
+            <a:r>
+              <a:rPr lang="en-US" dirty="0" smtClean="0"/>
+              <a:t>% </a:t>
+            </a:r>
+            <a:r>
+              <a:rPr lang="en-US" dirty="0" smtClean="0"/>
+              <a:t>parallel efficiency 512 sockets</a:t>
             </a:r>
           </a:p>
           <a:p>
@@ -18954,15 +18970,7 @@
             </a:r>
             <a:r>
               <a:rPr lang="en-US" dirty="0" smtClean="0"/>
-              <a:t>Laplacian solve</a:t>
-            </a:r>
-            <a:r>
-              <a:rPr lang="en-US" dirty="0" smtClean="0"/>
-              <a:t> Cartesian </a:t>
-            </a:r>
-            <a:r>
-              <a:rPr lang="en-US" dirty="0" smtClean="0"/>
-              <a:t>grids</a:t>
+              <a:t>Laplacian solve Cartesian grids</a:t>
             </a:r>
           </a:p>
           <a:p>
@@ -19118,15 +19126,7 @@
                   <a:srgbClr val="000000"/>
                 </a:solidFill>
               </a:rPr>
-              <a:t>More complex domains, AMR, measure setup (reductions</a:t>
-            </a:r>
-            <a:r>
-              <a:rPr lang="en-US" dirty="0" smtClean="0">
-                <a:solidFill>
-                  <a:srgbClr val="000000"/>
-                </a:solidFill>
-              </a:rPr>
-              <a:t>), energy, …</a:t>
+              <a:t>More complex domains, AMR, measure setup (reductions), energy, …</a:t>
             </a:r>
           </a:p>
           <a:p>

--- a/docs/ppt/ISC2014.pptx
+++ b/docs/ppt/ISC2014.pptx
@@ -398,7 +398,7 @@
     </p:spTree>
     <p:extLst>
       <p:ext uri="{BB962C8B-B14F-4D97-AF65-F5344CB8AC3E}">
-        <p14:creationId xmlns:mc="http://schemas.openxmlformats.org/markup-compatibility/2006" xmlns:mv="urn:schemas-microsoft-com:mac:vml" xmlns:p14="http://schemas.microsoft.com/office/powerpoint/2010/main" xmlns:p="http://schemas.openxmlformats.org/presentationml/2006/main" xmlns:r="http://schemas.openxmlformats.org/officeDocument/2006/relationships" xmlns:a="http://schemas.openxmlformats.org/drawingml/2006/main" xmlns="" val="2698250618"/>
+        <p14:creationId xmlns="" xmlns:a="http://schemas.openxmlformats.org/drawingml/2006/main" xmlns:r="http://schemas.openxmlformats.org/officeDocument/2006/relationships" xmlns:p="http://schemas.openxmlformats.org/presentationml/2006/main" xmlns:p14="http://schemas.microsoft.com/office/powerpoint/2010/main" xmlns:mv="urn:schemas-microsoft-com:mac:vml" xmlns:mc="http://schemas.openxmlformats.org/markup-compatibility/2006" val="2698250618"/>
       </p:ext>
     </p:extLst>
   </p:cSld>
@@ -733,7 +733,7 @@
     </p:spTree>
     <p:extLst>
       <p:ext uri="{BB962C8B-B14F-4D97-AF65-F5344CB8AC3E}">
-        <p14:creationId xmlns:mc="http://schemas.openxmlformats.org/markup-compatibility/2006" xmlns:mv="urn:schemas-microsoft-com:mac:vml" xmlns:p14="http://schemas.microsoft.com/office/powerpoint/2010/main" xmlns:p="http://schemas.openxmlformats.org/presentationml/2006/main" xmlns:r="http://schemas.openxmlformats.org/officeDocument/2006/relationships" xmlns:a="http://schemas.openxmlformats.org/drawingml/2006/main" xmlns="" val="235717496"/>
+        <p14:creationId xmlns="" xmlns:a="http://schemas.openxmlformats.org/drawingml/2006/main" xmlns:r="http://schemas.openxmlformats.org/officeDocument/2006/relationships" xmlns:p="http://schemas.openxmlformats.org/presentationml/2006/main" xmlns:p14="http://schemas.microsoft.com/office/powerpoint/2010/main" xmlns:mv="urn:schemas-microsoft-com:mac:vml" xmlns:mc="http://schemas.openxmlformats.org/markup-compatibility/2006" val="235717496"/>
       </p:ext>
     </p:extLst>
   </p:cSld>
@@ -2034,7 +2034,7 @@
         </p:nvSpPr>
         <p:spPr>
           <a:xfrm>
-            <a:off x="-510023" y="6333992"/>
+            <a:off x="255099" y="6357658"/>
             <a:ext cx="3026879" cy="295408"/>
           </a:xfrm>
           <a:prstGeom prst="rect">
@@ -2054,7 +2054,7 @@
               <a:defRPr/>
             </a:pPr>
             <a:r>
-              <a:rPr lang="en-US" smtClean="0"/>
+              <a:rPr lang="en-US" dirty="0" smtClean="0"/>
               <a:t>ISC '14, June 26, Leipzig Germany</a:t>
             </a:r>
             <a:endParaRPr lang="en-US" dirty="0"/>
@@ -12717,8 +12717,8 @@
             <p:ph idx="1"/>
           </p:nvPr>
         </p:nvPicPr>
-        <mc:AlternateContent>
-          <mc:Choice xmlns:ma="http://schemas.microsoft.com/office/mac/drawingml/2008/main" Requires="ma">
+        <mc:AlternateContent xmlns:ma="http://schemas.microsoft.com/office/mac/drawingml/2008/main">
+          <mc:Choice Requires="ma">
             <p:blipFill>
               <a:blip r:embed="rId3"/>
               <a:srcRect l="-53" r="-53"/>
@@ -12727,7 +12727,7 @@
               </a:stretch>
             </p:blipFill>
           </mc:Choice>
-          <mc:Fallback>
+          <mc:Fallback xmlns:p="http://schemas.openxmlformats.org/presentationml/2006/main" xmlns:mv="urn:schemas-microsoft-com:mac:vml" xmlns:mc="http://schemas.openxmlformats.org/markup-compatibility/2006" xmlns:r="http://schemas.openxmlformats.org/officeDocument/2006/relationships" xmlns:a="http://schemas.openxmlformats.org/drawingml/2006/main" xmlns="">
             <p:blipFill>
               <a:blip r:embed="rId4"/>
               <a:srcRect l="-53" r="-53"/>
@@ -12880,8 +12880,8 @@
             <p:ph idx="1"/>
           </p:nvPr>
         </p:nvPicPr>
-        <mc:AlternateContent>
-          <mc:Choice xmlns:ma="http://schemas.microsoft.com/office/mac/drawingml/2008/main" Requires="ma">
+        <mc:AlternateContent xmlns:ma="http://schemas.microsoft.com/office/mac/drawingml/2008/main">
+          <mc:Choice Requires="ma">
             <p:blipFill>
               <a:blip r:embed="rId3"/>
               <a:srcRect l="-53" r="-53"/>
@@ -12890,7 +12890,7 @@
               </a:stretch>
             </p:blipFill>
           </mc:Choice>
-          <mc:Fallback>
+          <mc:Fallback xmlns:p="http://schemas.openxmlformats.org/presentationml/2006/main" xmlns:mv="urn:schemas-microsoft-com:mac:vml" xmlns:mc="http://schemas.openxmlformats.org/markup-compatibility/2006" xmlns:r="http://schemas.openxmlformats.org/officeDocument/2006/relationships" xmlns:a="http://schemas.openxmlformats.org/drawingml/2006/main" xmlns="">
             <p:blipFill>
               <a:blip r:embed="rId4"/>
               <a:srcRect l="-53" r="-53"/>
@@ -13043,8 +13043,8 @@
             <p:ph idx="1"/>
           </p:nvPr>
         </p:nvPicPr>
-        <mc:AlternateContent>
-          <mc:Choice xmlns:ma="http://schemas.microsoft.com/office/mac/drawingml/2008/main" Requires="ma">
+        <mc:AlternateContent xmlns:ma="http://schemas.microsoft.com/office/mac/drawingml/2008/main">
+          <mc:Choice Requires="ma">
             <p:blipFill>
               <a:blip r:embed="rId3"/>
               <a:srcRect l="-53" r="-53"/>
@@ -13053,7 +13053,7 @@
               </a:stretch>
             </p:blipFill>
           </mc:Choice>
-          <mc:Fallback>
+          <mc:Fallback xmlns:p="http://schemas.openxmlformats.org/presentationml/2006/main" xmlns:mv="urn:schemas-microsoft-com:mac:vml" xmlns:mc="http://schemas.openxmlformats.org/markup-compatibility/2006" xmlns:r="http://schemas.openxmlformats.org/officeDocument/2006/relationships" xmlns:a="http://schemas.openxmlformats.org/drawingml/2006/main" xmlns="">
             <p:blipFill>
               <a:blip r:embed="rId4"/>
               <a:srcRect l="-53" r="-53"/>
@@ -13206,8 +13206,8 @@
             <p:ph idx="1"/>
           </p:nvPr>
         </p:nvPicPr>
-        <mc:AlternateContent>
-          <mc:Choice xmlns:ma="http://schemas.microsoft.com/office/mac/drawingml/2008/main" Requires="ma">
+        <mc:AlternateContent xmlns:ma="http://schemas.microsoft.com/office/mac/drawingml/2008/main">
+          <mc:Choice Requires="ma">
             <p:blipFill>
               <a:blip r:embed="rId3"/>
               <a:srcRect l="-53" r="-53"/>
@@ -13216,7 +13216,7 @@
               </a:stretch>
             </p:blipFill>
           </mc:Choice>
-          <mc:Fallback>
+          <mc:Fallback xmlns:p="http://schemas.openxmlformats.org/presentationml/2006/main" xmlns:mv="urn:schemas-microsoft-com:mac:vml" xmlns:mc="http://schemas.openxmlformats.org/markup-compatibility/2006" xmlns:r="http://schemas.openxmlformats.org/officeDocument/2006/relationships" xmlns:a="http://schemas.openxmlformats.org/drawingml/2006/main" xmlns="">
             <p:blipFill>
               <a:blip r:embed="rId4"/>
               <a:srcRect l="-53" r="-53"/>
@@ -13369,8 +13369,8 @@
             <p:ph idx="1"/>
           </p:nvPr>
         </p:nvPicPr>
-        <mc:AlternateContent>
-          <mc:Choice xmlns:ma="http://schemas.microsoft.com/office/mac/drawingml/2008/main" Requires="ma">
+        <mc:AlternateContent xmlns:ma="http://schemas.microsoft.com/office/mac/drawingml/2008/main">
+          <mc:Choice Requires="ma">
             <p:blipFill>
               <a:blip r:embed="rId3"/>
               <a:srcRect l="-133" r="-133"/>
@@ -13379,7 +13379,7 @@
               </a:stretch>
             </p:blipFill>
           </mc:Choice>
-          <mc:Fallback>
+          <mc:Fallback xmlns:p="http://schemas.openxmlformats.org/presentationml/2006/main" xmlns:mv="urn:schemas-microsoft-com:mac:vml" xmlns:mc="http://schemas.openxmlformats.org/markup-compatibility/2006" xmlns:r="http://schemas.openxmlformats.org/officeDocument/2006/relationships" xmlns:a="http://schemas.openxmlformats.org/drawingml/2006/main" xmlns="">
             <p:blipFill>
               <a:blip r:embed="rId4"/>
               <a:srcRect l="-133" r="-133"/>
@@ -14014,8 +14014,8 @@
             <p:ph sz="half" idx="2"/>
           </p:nvPr>
         </p:nvPicPr>
-        <mc:AlternateContent>
-          <mc:Choice xmlns:ma="http://schemas.microsoft.com/office/mac/drawingml/2008/main" Requires="ma">
+        <mc:AlternateContent xmlns:ma="http://schemas.microsoft.com/office/mac/drawingml/2008/main">
+          <mc:Choice Requires="ma">
             <p:blipFill>
               <a:blip r:embed="rId3"/>
               <a:srcRect t="-9615" b="-9615"/>
@@ -14024,7 +14024,7 @@
               </a:stretch>
             </p:blipFill>
           </mc:Choice>
-          <mc:Fallback>
+          <mc:Fallback xmlns:p="http://schemas.openxmlformats.org/presentationml/2006/main" xmlns:mv="urn:schemas-microsoft-com:mac:vml" xmlns:mc="http://schemas.openxmlformats.org/markup-compatibility/2006" xmlns:r="http://schemas.openxmlformats.org/officeDocument/2006/relationships" xmlns:a="http://schemas.openxmlformats.org/drawingml/2006/main" xmlns="">
             <p:blipFill>
               <a:blip r:embed="rId4"/>
               <a:srcRect t="-9615" b="-9615"/>
@@ -14143,23 +14143,7 @@
           <a:p>
             <a:r>
               <a:rPr lang="en-US" dirty="0" smtClean="0"/>
-              <a:t>Edison</a:t>
-            </a:r>
-            <a:r>
-              <a:rPr lang="en-US" dirty="0" smtClean="0"/>
-              <a:t> </a:t>
-            </a:r>
-            <a:r>
-              <a:rPr lang="en-US" dirty="0" smtClean="0"/>
-              <a:t>~90</a:t>
-            </a:r>
-            <a:r>
-              <a:rPr lang="en-US" dirty="0" smtClean="0"/>
-              <a:t>% </a:t>
-            </a:r>
-            <a:r>
-              <a:rPr lang="en-US" dirty="0" smtClean="0"/>
-              <a:t>parallel efficiency 512 sockets</a:t>
+              <a:t>Edison ~90% parallel efficiency 512 sockets</a:t>
             </a:r>
           </a:p>
           <a:p>
@@ -15159,8 +15143,8 @@
           </p:cNvPicPr>
           <p:nvPr/>
         </p:nvPicPr>
-        <mc:AlternateContent>
-          <mc:Choice xmlns:ma="http://schemas.microsoft.com/office/mac/drawingml/2008/main" Requires="ma">
+        <mc:AlternateContent xmlns:ma="http://schemas.microsoft.com/office/mac/drawingml/2008/main">
+          <mc:Choice Requires="ma">
             <p:blipFill>
               <a:blip r:embed="rId3"/>
               <a:stretch>
@@ -15168,7 +15152,7 @@
               </a:stretch>
             </p:blipFill>
           </mc:Choice>
-          <mc:Fallback>
+          <mc:Fallback xmlns:p="http://schemas.openxmlformats.org/presentationml/2006/main" xmlns:mv="urn:schemas-microsoft-com:mac:vml" xmlns:mc="http://schemas.openxmlformats.org/markup-compatibility/2006" xmlns:r="http://schemas.openxmlformats.org/officeDocument/2006/relationships" xmlns:a="http://schemas.openxmlformats.org/drawingml/2006/main" xmlns="">
             <p:blipFill>
               <a:blip r:embed="rId4"/>
               <a:stretch>

--- a/docs/ppt/ISC2014.pptx
+++ b/docs/ppt/ISC2014.pptx
@@ -398,7 +398,7 @@
     </p:spTree>
     <p:extLst>
       <p:ext uri="{BB962C8B-B14F-4D97-AF65-F5344CB8AC3E}">
-        <p14:creationId xmlns="" xmlns:a="http://schemas.openxmlformats.org/drawingml/2006/main" xmlns:r="http://schemas.openxmlformats.org/officeDocument/2006/relationships" xmlns:p="http://schemas.openxmlformats.org/presentationml/2006/main" xmlns:p14="http://schemas.microsoft.com/office/powerpoint/2010/main" xmlns:mv="urn:schemas-microsoft-com:mac:vml" xmlns:mc="http://schemas.openxmlformats.org/markup-compatibility/2006" val="2698250618"/>
+        <p14:creationId xmlns:mc="http://schemas.openxmlformats.org/markup-compatibility/2006" xmlns:mv="urn:schemas-microsoft-com:mac:vml" xmlns:p14="http://schemas.microsoft.com/office/powerpoint/2010/main" xmlns:p="http://schemas.openxmlformats.org/presentationml/2006/main" xmlns:r="http://schemas.openxmlformats.org/officeDocument/2006/relationships" xmlns:a="http://schemas.openxmlformats.org/drawingml/2006/main" xmlns="" val="2698250618"/>
       </p:ext>
     </p:extLst>
   </p:cSld>
@@ -733,7 +733,7 @@
     </p:spTree>
     <p:extLst>
       <p:ext uri="{BB962C8B-B14F-4D97-AF65-F5344CB8AC3E}">
-        <p14:creationId xmlns="" xmlns:a="http://schemas.openxmlformats.org/drawingml/2006/main" xmlns:r="http://schemas.openxmlformats.org/officeDocument/2006/relationships" xmlns:p="http://schemas.openxmlformats.org/presentationml/2006/main" xmlns:p14="http://schemas.microsoft.com/office/powerpoint/2010/main" xmlns:mv="urn:schemas-microsoft-com:mac:vml" xmlns:mc="http://schemas.openxmlformats.org/markup-compatibility/2006" val="235717496"/>
+        <p14:creationId xmlns:mc="http://schemas.openxmlformats.org/markup-compatibility/2006" xmlns:mv="urn:schemas-microsoft-com:mac:vml" xmlns:p14="http://schemas.microsoft.com/office/powerpoint/2010/main" xmlns:p="http://schemas.openxmlformats.org/presentationml/2006/main" xmlns:r="http://schemas.openxmlformats.org/officeDocument/2006/relationships" xmlns:a="http://schemas.openxmlformats.org/drawingml/2006/main" xmlns="" val="235717496"/>
       </p:ext>
     </p:extLst>
   </p:cSld>
@@ -12717,8 +12717,8 @@
             <p:ph idx="1"/>
           </p:nvPr>
         </p:nvPicPr>
-        <mc:AlternateContent xmlns:ma="http://schemas.microsoft.com/office/mac/drawingml/2008/main">
-          <mc:Choice Requires="ma">
+        <mc:AlternateContent>
+          <mc:Choice xmlns:ma="http://schemas.microsoft.com/office/mac/drawingml/2008/main" Requires="ma">
             <p:blipFill>
               <a:blip r:embed="rId3"/>
               <a:srcRect l="-53" r="-53"/>
@@ -12727,7 +12727,7 @@
               </a:stretch>
             </p:blipFill>
           </mc:Choice>
-          <mc:Fallback xmlns:p="http://schemas.openxmlformats.org/presentationml/2006/main" xmlns:mv="urn:schemas-microsoft-com:mac:vml" xmlns:mc="http://schemas.openxmlformats.org/markup-compatibility/2006" xmlns:r="http://schemas.openxmlformats.org/officeDocument/2006/relationships" xmlns:a="http://schemas.openxmlformats.org/drawingml/2006/main" xmlns="">
+          <mc:Fallback>
             <p:blipFill>
               <a:blip r:embed="rId4"/>
               <a:srcRect l="-53" r="-53"/>
@@ -12880,8 +12880,8 @@
             <p:ph idx="1"/>
           </p:nvPr>
         </p:nvPicPr>
-        <mc:AlternateContent xmlns:ma="http://schemas.microsoft.com/office/mac/drawingml/2008/main">
-          <mc:Choice Requires="ma">
+        <mc:AlternateContent>
+          <mc:Choice xmlns:ma="http://schemas.microsoft.com/office/mac/drawingml/2008/main" Requires="ma">
             <p:blipFill>
               <a:blip r:embed="rId3"/>
               <a:srcRect l="-53" r="-53"/>
@@ -12890,7 +12890,7 @@
               </a:stretch>
             </p:blipFill>
           </mc:Choice>
-          <mc:Fallback xmlns:p="http://schemas.openxmlformats.org/presentationml/2006/main" xmlns:mv="urn:schemas-microsoft-com:mac:vml" xmlns:mc="http://schemas.openxmlformats.org/markup-compatibility/2006" xmlns:r="http://schemas.openxmlformats.org/officeDocument/2006/relationships" xmlns:a="http://schemas.openxmlformats.org/drawingml/2006/main" xmlns="">
+          <mc:Fallback>
             <p:blipFill>
               <a:blip r:embed="rId4"/>
               <a:srcRect l="-53" r="-53"/>
@@ -13043,8 +13043,8 @@
             <p:ph idx="1"/>
           </p:nvPr>
         </p:nvPicPr>
-        <mc:AlternateContent xmlns:ma="http://schemas.microsoft.com/office/mac/drawingml/2008/main">
-          <mc:Choice Requires="ma">
+        <mc:AlternateContent>
+          <mc:Choice xmlns:ma="http://schemas.microsoft.com/office/mac/drawingml/2008/main" Requires="ma">
             <p:blipFill>
               <a:blip r:embed="rId3"/>
               <a:srcRect l="-53" r="-53"/>
@@ -13053,7 +13053,7 @@
               </a:stretch>
             </p:blipFill>
           </mc:Choice>
-          <mc:Fallback xmlns:p="http://schemas.openxmlformats.org/presentationml/2006/main" xmlns:mv="urn:schemas-microsoft-com:mac:vml" xmlns:mc="http://schemas.openxmlformats.org/markup-compatibility/2006" xmlns:r="http://schemas.openxmlformats.org/officeDocument/2006/relationships" xmlns:a="http://schemas.openxmlformats.org/drawingml/2006/main" xmlns="">
+          <mc:Fallback>
             <p:blipFill>
               <a:blip r:embed="rId4"/>
               <a:srcRect l="-53" r="-53"/>
@@ -13206,8 +13206,8 @@
             <p:ph idx="1"/>
           </p:nvPr>
         </p:nvPicPr>
-        <mc:AlternateContent xmlns:ma="http://schemas.microsoft.com/office/mac/drawingml/2008/main">
-          <mc:Choice Requires="ma">
+        <mc:AlternateContent>
+          <mc:Choice xmlns:ma="http://schemas.microsoft.com/office/mac/drawingml/2008/main" Requires="ma">
             <p:blipFill>
               <a:blip r:embed="rId3"/>
               <a:srcRect l="-53" r="-53"/>
@@ -13216,7 +13216,7 @@
               </a:stretch>
             </p:blipFill>
           </mc:Choice>
-          <mc:Fallback xmlns:p="http://schemas.openxmlformats.org/presentationml/2006/main" xmlns:mv="urn:schemas-microsoft-com:mac:vml" xmlns:mc="http://schemas.openxmlformats.org/markup-compatibility/2006" xmlns:r="http://schemas.openxmlformats.org/officeDocument/2006/relationships" xmlns:a="http://schemas.openxmlformats.org/drawingml/2006/main" xmlns="">
+          <mc:Fallback>
             <p:blipFill>
               <a:blip r:embed="rId4"/>
               <a:srcRect l="-53" r="-53"/>
@@ -13369,8 +13369,8 @@
             <p:ph idx="1"/>
           </p:nvPr>
         </p:nvPicPr>
-        <mc:AlternateContent xmlns:ma="http://schemas.microsoft.com/office/mac/drawingml/2008/main">
-          <mc:Choice Requires="ma">
+        <mc:AlternateContent>
+          <mc:Choice xmlns:ma="http://schemas.microsoft.com/office/mac/drawingml/2008/main" Requires="ma">
             <p:blipFill>
               <a:blip r:embed="rId3"/>
               <a:srcRect l="-133" r="-133"/>
@@ -13379,7 +13379,7 @@
               </a:stretch>
             </p:blipFill>
           </mc:Choice>
-          <mc:Fallback xmlns:p="http://schemas.openxmlformats.org/presentationml/2006/main" xmlns:mv="urn:schemas-microsoft-com:mac:vml" xmlns:mc="http://schemas.openxmlformats.org/markup-compatibility/2006" xmlns:r="http://schemas.openxmlformats.org/officeDocument/2006/relationships" xmlns:a="http://schemas.openxmlformats.org/drawingml/2006/main" xmlns="">
+          <mc:Fallback>
             <p:blipFill>
               <a:blip r:embed="rId4"/>
               <a:srcRect l="-133" r="-133"/>
@@ -14014,8 +14014,8 @@
             <p:ph sz="half" idx="2"/>
           </p:nvPr>
         </p:nvPicPr>
-        <mc:AlternateContent xmlns:ma="http://schemas.microsoft.com/office/mac/drawingml/2008/main">
-          <mc:Choice Requires="ma">
+        <mc:AlternateContent>
+          <mc:Choice xmlns:ma="http://schemas.microsoft.com/office/mac/drawingml/2008/main" Requires="ma">
             <p:blipFill>
               <a:blip r:embed="rId3"/>
               <a:srcRect t="-9615" b="-9615"/>
@@ -14024,7 +14024,7 @@
               </a:stretch>
             </p:blipFill>
           </mc:Choice>
-          <mc:Fallback xmlns:p="http://schemas.openxmlformats.org/presentationml/2006/main" xmlns:mv="urn:schemas-microsoft-com:mac:vml" xmlns:mc="http://schemas.openxmlformats.org/markup-compatibility/2006" xmlns:r="http://schemas.openxmlformats.org/officeDocument/2006/relationships" xmlns:a="http://schemas.openxmlformats.org/drawingml/2006/main" xmlns="">
+          <mc:Fallback>
             <p:blipFill>
               <a:blip r:embed="rId4"/>
               <a:srcRect t="-9615" b="-9615"/>
@@ -15143,8 +15143,8 @@
           </p:cNvPicPr>
           <p:nvPr/>
         </p:nvPicPr>
-        <mc:AlternateContent xmlns:ma="http://schemas.microsoft.com/office/mac/drawingml/2008/main">
-          <mc:Choice Requires="ma">
+        <mc:AlternateContent>
+          <mc:Choice xmlns:ma="http://schemas.microsoft.com/office/mac/drawingml/2008/main" Requires="ma">
             <p:blipFill>
               <a:blip r:embed="rId3"/>
               <a:stretch>
@@ -15152,7 +15152,7 @@
               </a:stretch>
             </p:blipFill>
           </mc:Choice>
-          <mc:Fallback xmlns:p="http://schemas.openxmlformats.org/presentationml/2006/main" xmlns:mv="urn:schemas-microsoft-com:mac:vml" xmlns:mc="http://schemas.openxmlformats.org/markup-compatibility/2006" xmlns:r="http://schemas.openxmlformats.org/officeDocument/2006/relationships" xmlns:a="http://schemas.openxmlformats.org/drawingml/2006/main" xmlns="">
+          <mc:Fallback>
             <p:blipFill>
               <a:blip r:embed="rId4"/>
               <a:stretch>
